--- a/images/MAML.pptx
+++ b/images/MAML.pptx
@@ -11,6 +11,8 @@
     <p:sldId id="259" r:id="rId5"/>
     <p:sldId id="260" r:id="rId6"/>
     <p:sldId id="261" r:id="rId7"/>
+    <p:sldId id="262" r:id="rId8"/>
+    <p:sldId id="263" r:id="rId9"/>
   </p:sldIdLst>
   <p:sldSz cx="12192000" cy="6858000"/>
   <p:notesSz cx="6858000" cy="9144000"/>
@@ -109,7 +111,24 @@
       </a:defRPr>
     </a:lvl9pPr>
   </p:defaultTextStyle>
+  <p:extLst>
+    <p:ext uri="{EFAFB233-063F-42B5-8137-9DF3F51BA10A}">
+      <p15:sldGuideLst xmlns:p15="http://schemas.microsoft.com/office/powerpoint/2012/main"/>
+    </p:ext>
+  </p:extLst>
 </p:presentation>
+</file>
+
+<file path=ppt/commentAuthors.xml><?xml version="1.0" encoding="utf-8"?>
+<p:cmAuthorLst xmlns:a="http://schemas.openxmlformats.org/drawingml/2006/main" xmlns:r="http://schemas.openxmlformats.org/officeDocument/2006/relationships" xmlns:p="http://schemas.openxmlformats.org/presentationml/2006/main">
+  <p:cmAuthor id="1" name="조상연(학부생-소프트웨어전공)" initials="조소" lastIdx="1" clrIdx="0">
+    <p:extLst>
+      <p:ext uri="{19B8F6BF-5375-455C-9EA6-DF929625EA0E}">
+        <p15:presenceInfo xmlns:p15="http://schemas.microsoft.com/office/powerpoint/2012/main" userId="S::whtkddus98@kookmin.kr::6d1b2f83-e3f8-493d-8161-dc07009781fd" providerId="AD"/>
+      </p:ext>
+    </p:extLst>
+  </p:cmAuthor>
+</p:cmAuthorLst>
 </file>
 
 <file path=ppt/slideLayouts/slideLayout1.xml><?xml version="1.0" encoding="utf-8"?>
@@ -259,7 +278,7 @@
           <a:p>
             <a:fld id="{DAA45A8E-2A8B-48C9-ADBF-9A9D3A6112B3}" type="datetimeFigureOut">
               <a:rPr lang="ko-KR" altLang="en-US" smtClean="0"/>
-              <a:t>2022-06-05</a:t>
+              <a:t>2022-06-06</a:t>
             </a:fld>
             <a:endParaRPr lang="ko-KR" altLang="en-US"/>
           </a:p>
@@ -457,7 +476,7 @@
           <a:p>
             <a:fld id="{DAA45A8E-2A8B-48C9-ADBF-9A9D3A6112B3}" type="datetimeFigureOut">
               <a:rPr lang="ko-KR" altLang="en-US" smtClean="0"/>
-              <a:t>2022-06-05</a:t>
+              <a:t>2022-06-06</a:t>
             </a:fld>
             <a:endParaRPr lang="ko-KR" altLang="en-US"/>
           </a:p>
@@ -665,7 +684,7 @@
           <a:p>
             <a:fld id="{DAA45A8E-2A8B-48C9-ADBF-9A9D3A6112B3}" type="datetimeFigureOut">
               <a:rPr lang="ko-KR" altLang="en-US" smtClean="0"/>
-              <a:t>2022-06-05</a:t>
+              <a:t>2022-06-06</a:t>
             </a:fld>
             <a:endParaRPr lang="ko-KR" altLang="en-US"/>
           </a:p>
@@ -863,7 +882,7 @@
           <a:p>
             <a:fld id="{DAA45A8E-2A8B-48C9-ADBF-9A9D3A6112B3}" type="datetimeFigureOut">
               <a:rPr lang="ko-KR" altLang="en-US" smtClean="0"/>
-              <a:t>2022-06-05</a:t>
+              <a:t>2022-06-06</a:t>
             </a:fld>
             <a:endParaRPr lang="ko-KR" altLang="en-US"/>
           </a:p>
@@ -1138,7 +1157,7 @@
           <a:p>
             <a:fld id="{DAA45A8E-2A8B-48C9-ADBF-9A9D3A6112B3}" type="datetimeFigureOut">
               <a:rPr lang="ko-KR" altLang="en-US" smtClean="0"/>
-              <a:t>2022-06-05</a:t>
+              <a:t>2022-06-06</a:t>
             </a:fld>
             <a:endParaRPr lang="ko-KR" altLang="en-US"/>
           </a:p>
@@ -1403,7 +1422,7 @@
           <a:p>
             <a:fld id="{DAA45A8E-2A8B-48C9-ADBF-9A9D3A6112B3}" type="datetimeFigureOut">
               <a:rPr lang="ko-KR" altLang="en-US" smtClean="0"/>
-              <a:t>2022-06-05</a:t>
+              <a:t>2022-06-06</a:t>
             </a:fld>
             <a:endParaRPr lang="ko-KR" altLang="en-US"/>
           </a:p>
@@ -1815,7 +1834,7 @@
           <a:p>
             <a:fld id="{DAA45A8E-2A8B-48C9-ADBF-9A9D3A6112B3}" type="datetimeFigureOut">
               <a:rPr lang="ko-KR" altLang="en-US" smtClean="0"/>
-              <a:t>2022-06-05</a:t>
+              <a:t>2022-06-06</a:t>
             </a:fld>
             <a:endParaRPr lang="ko-KR" altLang="en-US"/>
           </a:p>
@@ -1956,7 +1975,7 @@
           <a:p>
             <a:fld id="{DAA45A8E-2A8B-48C9-ADBF-9A9D3A6112B3}" type="datetimeFigureOut">
               <a:rPr lang="ko-KR" altLang="en-US" smtClean="0"/>
-              <a:t>2022-06-05</a:t>
+              <a:t>2022-06-06</a:t>
             </a:fld>
             <a:endParaRPr lang="ko-KR" altLang="en-US"/>
           </a:p>
@@ -2069,7 +2088,7 @@
           <a:p>
             <a:fld id="{DAA45A8E-2A8B-48C9-ADBF-9A9D3A6112B3}" type="datetimeFigureOut">
               <a:rPr lang="ko-KR" altLang="en-US" smtClean="0"/>
-              <a:t>2022-06-05</a:t>
+              <a:t>2022-06-06</a:t>
             </a:fld>
             <a:endParaRPr lang="ko-KR" altLang="en-US"/>
           </a:p>
@@ -2380,7 +2399,7 @@
           <a:p>
             <a:fld id="{DAA45A8E-2A8B-48C9-ADBF-9A9D3A6112B3}" type="datetimeFigureOut">
               <a:rPr lang="ko-KR" altLang="en-US" smtClean="0"/>
-              <a:t>2022-06-05</a:t>
+              <a:t>2022-06-06</a:t>
             </a:fld>
             <a:endParaRPr lang="ko-KR" altLang="en-US"/>
           </a:p>
@@ -2668,7 +2687,7 @@
           <a:p>
             <a:fld id="{DAA45A8E-2A8B-48C9-ADBF-9A9D3A6112B3}" type="datetimeFigureOut">
               <a:rPr lang="ko-KR" altLang="en-US" smtClean="0"/>
-              <a:t>2022-06-05</a:t>
+              <a:t>2022-06-06</a:t>
             </a:fld>
             <a:endParaRPr lang="ko-KR" altLang="en-US"/>
           </a:p>
@@ -2909,7 +2928,7 @@
           <a:p>
             <a:fld id="{DAA45A8E-2A8B-48C9-ADBF-9A9D3A6112B3}" type="datetimeFigureOut">
               <a:rPr lang="ko-KR" altLang="en-US" smtClean="0"/>
-              <a:t>2022-06-05</a:t>
+              <a:t>2022-06-06</a:t>
             </a:fld>
             <a:endParaRPr lang="ko-KR" altLang="en-US"/>
           </a:p>
@@ -5841,6 +5860,316 @@
 </p:sld>
 </file>
 
+<file path=ppt/slides/slide7.xml><?xml version="1.0" encoding="utf-8"?>
+<p:sld xmlns:a="http://schemas.openxmlformats.org/drawingml/2006/main" xmlns:r="http://schemas.openxmlformats.org/officeDocument/2006/relationships" xmlns:p="http://schemas.openxmlformats.org/presentationml/2006/main">
+  <p:cSld>
+    <p:spTree>
+      <p:nvGrpSpPr>
+        <p:cNvPr id="1" name=""/>
+        <p:cNvGrpSpPr/>
+        <p:nvPr/>
+      </p:nvGrpSpPr>
+      <p:grpSpPr>
+        <a:xfrm>
+          <a:off x="0" y="0"/>
+          <a:ext cx="0" cy="0"/>
+          <a:chOff x="0" y="0"/>
+          <a:chExt cx="0" cy="0"/>
+        </a:xfrm>
+      </p:grpSpPr>
+      <p:grpSp>
+        <p:nvGrpSpPr>
+          <p:cNvPr id="5" name="그룹 4">
+            <a:extLst>
+              <a:ext uri="{FF2B5EF4-FFF2-40B4-BE49-F238E27FC236}">
+                <a16:creationId xmlns:a16="http://schemas.microsoft.com/office/drawing/2014/main" id="{C02FD371-C2F1-4D53-847D-8381164B689B}"/>
+              </a:ext>
+            </a:extLst>
+          </p:cNvPr>
+          <p:cNvGrpSpPr/>
+          <p:nvPr/>
+        </p:nvGrpSpPr>
+        <p:grpSpPr>
+          <a:xfrm>
+            <a:off x="1924050" y="76200"/>
+            <a:ext cx="8343900" cy="6705600"/>
+            <a:chOff x="2485159" y="72737"/>
+            <a:chExt cx="8343900" cy="6705600"/>
+          </a:xfrm>
+        </p:grpSpPr>
+        <p:pic>
+          <p:nvPicPr>
+            <p:cNvPr id="1026" name="Picture 2">
+              <a:extLst>
+                <a:ext uri="{FF2B5EF4-FFF2-40B4-BE49-F238E27FC236}">
+                  <a16:creationId xmlns:a16="http://schemas.microsoft.com/office/drawing/2014/main" id="{168CCEA3-3D05-466D-B05F-0805F499699A}"/>
+                </a:ext>
+              </a:extLst>
+            </p:cNvPr>
+            <p:cNvPicPr>
+              <a:picLocks noChangeAspect="1" noChangeArrowheads="1"/>
+            </p:cNvPicPr>
+            <p:nvPr/>
+          </p:nvPicPr>
+          <p:blipFill>
+            <a:blip r:embed="rId2">
+              <a:extLst>
+                <a:ext uri="{28A0092B-C50C-407E-A947-70E740481C1C}">
+                  <a14:useLocalDpi xmlns:a14="http://schemas.microsoft.com/office/drawing/2010/main" val="0"/>
+                </a:ext>
+              </a:extLst>
+            </a:blip>
+            <a:srcRect/>
+            <a:stretch>
+              <a:fillRect/>
+            </a:stretch>
+          </p:blipFill>
+          <p:spPr bwMode="auto">
+            <a:xfrm>
+              <a:off x="2485159" y="72737"/>
+              <a:ext cx="8343900" cy="3276600"/>
+            </a:xfrm>
+            <a:prstGeom prst="rect">
+              <a:avLst/>
+            </a:prstGeom>
+            <a:noFill/>
+            <a:ln>
+              <a:solidFill>
+                <a:schemeClr val="tx1"/>
+              </a:solidFill>
+            </a:ln>
+            <a:extLst>
+              <a:ext uri="{909E8E84-426E-40DD-AFC4-6F175D3DCCD1}">
+                <a14:hiddenFill xmlns:a14="http://schemas.microsoft.com/office/drawing/2010/main">
+                  <a:solidFill>
+                    <a:srgbClr val="FFFFFF"/>
+                  </a:solidFill>
+                </a14:hiddenFill>
+              </a:ext>
+            </a:extLst>
+          </p:spPr>
+        </p:pic>
+        <p:pic>
+          <p:nvPicPr>
+            <p:cNvPr id="1028" name="Picture 4">
+              <a:extLst>
+                <a:ext uri="{FF2B5EF4-FFF2-40B4-BE49-F238E27FC236}">
+                  <a16:creationId xmlns:a16="http://schemas.microsoft.com/office/drawing/2014/main" id="{C1E6EC37-F030-47AC-85F0-AEC38DDCD468}"/>
+                </a:ext>
+              </a:extLst>
+            </p:cNvPr>
+            <p:cNvPicPr>
+              <a:picLocks noChangeAspect="1" noChangeArrowheads="1"/>
+            </p:cNvPicPr>
+            <p:nvPr/>
+          </p:nvPicPr>
+          <p:blipFill>
+            <a:blip r:embed="rId3">
+              <a:extLst>
+                <a:ext uri="{28A0092B-C50C-407E-A947-70E740481C1C}">
+                  <a14:useLocalDpi xmlns:a14="http://schemas.microsoft.com/office/drawing/2010/main" val="0"/>
+                </a:ext>
+              </a:extLst>
+            </a:blip>
+            <a:srcRect/>
+            <a:stretch>
+              <a:fillRect/>
+            </a:stretch>
+          </p:blipFill>
+          <p:spPr bwMode="auto">
+            <a:xfrm>
+              <a:off x="2485159" y="3501737"/>
+              <a:ext cx="8343900" cy="3276600"/>
+            </a:xfrm>
+            <a:prstGeom prst="rect">
+              <a:avLst/>
+            </a:prstGeom>
+            <a:noFill/>
+            <a:ln>
+              <a:solidFill>
+                <a:schemeClr val="tx1"/>
+              </a:solidFill>
+            </a:ln>
+            <a:extLst>
+              <a:ext uri="{909E8E84-426E-40DD-AFC4-6F175D3DCCD1}">
+                <a14:hiddenFill xmlns:a14="http://schemas.microsoft.com/office/drawing/2010/main">
+                  <a:solidFill>
+                    <a:srgbClr val="FFFFFF"/>
+                  </a:solidFill>
+                </a14:hiddenFill>
+              </a:ext>
+            </a:extLst>
+          </p:spPr>
+        </p:pic>
+      </p:grpSp>
+    </p:spTree>
+    <p:extLst>
+      <p:ext uri="{BB962C8B-B14F-4D97-AF65-F5344CB8AC3E}">
+        <p14:creationId xmlns:p14="http://schemas.microsoft.com/office/powerpoint/2010/main" val="2904572785"/>
+      </p:ext>
+    </p:extLst>
+  </p:cSld>
+  <p:clrMapOvr>
+    <a:masterClrMapping/>
+  </p:clrMapOvr>
+</p:sld>
+</file>
+
+<file path=ppt/slides/slide8.xml><?xml version="1.0" encoding="utf-8"?>
+<p:sld xmlns:a="http://schemas.openxmlformats.org/drawingml/2006/main" xmlns:r="http://schemas.openxmlformats.org/officeDocument/2006/relationships" xmlns:p="http://schemas.openxmlformats.org/presentationml/2006/main">
+  <p:cSld>
+    <p:spTree>
+      <p:nvGrpSpPr>
+        <p:cNvPr id="1" name=""/>
+        <p:cNvGrpSpPr/>
+        <p:nvPr/>
+      </p:nvGrpSpPr>
+      <p:grpSpPr>
+        <a:xfrm>
+          <a:off x="0" y="0"/>
+          <a:ext cx="0" cy="0"/>
+          <a:chOff x="0" y="0"/>
+          <a:chExt cx="0" cy="0"/>
+        </a:xfrm>
+      </p:grpSpPr>
+      <p:grpSp>
+        <p:nvGrpSpPr>
+          <p:cNvPr id="4" name="그룹 3">
+            <a:extLst>
+              <a:ext uri="{FF2B5EF4-FFF2-40B4-BE49-F238E27FC236}">
+                <a16:creationId xmlns:a16="http://schemas.microsoft.com/office/drawing/2014/main" id="{FB2564CC-7447-472C-BC14-8D53E3ACC3BF}"/>
+              </a:ext>
+            </a:extLst>
+          </p:cNvPr>
+          <p:cNvGrpSpPr/>
+          <p:nvPr/>
+        </p:nvGrpSpPr>
+        <p:grpSpPr>
+          <a:xfrm>
+            <a:off x="1924050" y="76200"/>
+            <a:ext cx="8343900" cy="6705600"/>
+            <a:chOff x="1924050" y="0"/>
+            <a:chExt cx="8343900" cy="6705600"/>
+          </a:xfrm>
+        </p:grpSpPr>
+        <p:pic>
+          <p:nvPicPr>
+            <p:cNvPr id="2050" name="Picture 2">
+              <a:extLst>
+                <a:ext uri="{FF2B5EF4-FFF2-40B4-BE49-F238E27FC236}">
+                  <a16:creationId xmlns:a16="http://schemas.microsoft.com/office/drawing/2014/main" id="{E4FF4E4B-B827-42E1-9F46-10B666B2B814}"/>
+                </a:ext>
+              </a:extLst>
+            </p:cNvPr>
+            <p:cNvPicPr>
+              <a:picLocks noChangeAspect="1" noChangeArrowheads="1"/>
+            </p:cNvPicPr>
+            <p:nvPr/>
+          </p:nvPicPr>
+          <p:blipFill>
+            <a:blip r:embed="rId2">
+              <a:extLst>
+                <a:ext uri="{28A0092B-C50C-407E-A947-70E740481C1C}">
+                  <a14:useLocalDpi xmlns:a14="http://schemas.microsoft.com/office/drawing/2010/main" val="0"/>
+                </a:ext>
+              </a:extLst>
+            </a:blip>
+            <a:srcRect/>
+            <a:stretch>
+              <a:fillRect/>
+            </a:stretch>
+          </p:blipFill>
+          <p:spPr bwMode="auto">
+            <a:xfrm>
+              <a:off x="1924050" y="0"/>
+              <a:ext cx="8343900" cy="3276600"/>
+            </a:xfrm>
+            <a:prstGeom prst="rect">
+              <a:avLst/>
+            </a:prstGeom>
+            <a:noFill/>
+            <a:ln>
+              <a:solidFill>
+                <a:schemeClr val="tx1"/>
+              </a:solidFill>
+            </a:ln>
+            <a:extLst>
+              <a:ext uri="{909E8E84-426E-40DD-AFC4-6F175D3DCCD1}">
+                <a14:hiddenFill xmlns:a14="http://schemas.microsoft.com/office/drawing/2010/main">
+                  <a:solidFill>
+                    <a:srgbClr val="FFFFFF"/>
+                  </a:solidFill>
+                </a14:hiddenFill>
+              </a:ext>
+            </a:extLst>
+          </p:spPr>
+        </p:pic>
+        <p:pic>
+          <p:nvPicPr>
+            <p:cNvPr id="2052" name="Picture 4">
+              <a:extLst>
+                <a:ext uri="{FF2B5EF4-FFF2-40B4-BE49-F238E27FC236}">
+                  <a16:creationId xmlns:a16="http://schemas.microsoft.com/office/drawing/2014/main" id="{4422379B-1F9D-431E-9018-641A6B89D6CB}"/>
+                </a:ext>
+              </a:extLst>
+            </p:cNvPr>
+            <p:cNvPicPr>
+              <a:picLocks noChangeAspect="1" noChangeArrowheads="1"/>
+            </p:cNvPicPr>
+            <p:nvPr/>
+          </p:nvPicPr>
+          <p:blipFill>
+            <a:blip r:embed="rId3">
+              <a:extLst>
+                <a:ext uri="{28A0092B-C50C-407E-A947-70E740481C1C}">
+                  <a14:useLocalDpi xmlns:a14="http://schemas.microsoft.com/office/drawing/2010/main" val="0"/>
+                </a:ext>
+              </a:extLst>
+            </a:blip>
+            <a:srcRect/>
+            <a:stretch>
+              <a:fillRect/>
+            </a:stretch>
+          </p:blipFill>
+          <p:spPr bwMode="auto">
+            <a:xfrm>
+              <a:off x="1924050" y="3429000"/>
+              <a:ext cx="8343900" cy="3276600"/>
+            </a:xfrm>
+            <a:prstGeom prst="rect">
+              <a:avLst/>
+            </a:prstGeom>
+            <a:noFill/>
+            <a:ln>
+              <a:solidFill>
+                <a:schemeClr val="tx1"/>
+              </a:solidFill>
+            </a:ln>
+            <a:extLst>
+              <a:ext uri="{909E8E84-426E-40DD-AFC4-6F175D3DCCD1}">
+                <a14:hiddenFill xmlns:a14="http://schemas.microsoft.com/office/drawing/2010/main">
+                  <a:solidFill>
+                    <a:srgbClr val="FFFFFF"/>
+                  </a:solidFill>
+                </a14:hiddenFill>
+              </a:ext>
+            </a:extLst>
+          </p:spPr>
+        </p:pic>
+      </p:grpSp>
+    </p:spTree>
+    <p:extLst>
+      <p:ext uri="{BB962C8B-B14F-4D97-AF65-F5344CB8AC3E}">
+        <p14:creationId xmlns:p14="http://schemas.microsoft.com/office/powerpoint/2010/main" val="1683874562"/>
+      </p:ext>
+    </p:extLst>
+  </p:cSld>
+  <p:clrMapOvr>
+    <a:masterClrMapping/>
+  </p:clrMapOvr>
+</p:sld>
+</file>
+
 <file path=ppt/theme/theme1.xml><?xml version="1.0" encoding="utf-8"?>
 <a:theme xmlns:a="http://schemas.openxmlformats.org/drawingml/2006/main" name="Office 테마">
   <a:themeElements>

--- a/images/MAML.pptx
+++ b/images/MAML.pptx
@@ -278,7 +278,7 @@
           <a:p>
             <a:fld id="{DAA45A8E-2A8B-48C9-ADBF-9A9D3A6112B3}" type="datetimeFigureOut">
               <a:rPr lang="ko-KR" altLang="en-US" smtClean="0"/>
-              <a:t>2022-06-06</a:t>
+              <a:t>2022-06-10</a:t>
             </a:fld>
             <a:endParaRPr lang="ko-KR" altLang="en-US"/>
           </a:p>
@@ -476,7 +476,7 @@
           <a:p>
             <a:fld id="{DAA45A8E-2A8B-48C9-ADBF-9A9D3A6112B3}" type="datetimeFigureOut">
               <a:rPr lang="ko-KR" altLang="en-US" smtClean="0"/>
-              <a:t>2022-06-06</a:t>
+              <a:t>2022-06-10</a:t>
             </a:fld>
             <a:endParaRPr lang="ko-KR" altLang="en-US"/>
           </a:p>
@@ -684,7 +684,7 @@
           <a:p>
             <a:fld id="{DAA45A8E-2A8B-48C9-ADBF-9A9D3A6112B3}" type="datetimeFigureOut">
               <a:rPr lang="ko-KR" altLang="en-US" smtClean="0"/>
-              <a:t>2022-06-06</a:t>
+              <a:t>2022-06-10</a:t>
             </a:fld>
             <a:endParaRPr lang="ko-KR" altLang="en-US"/>
           </a:p>
@@ -882,7 +882,7 @@
           <a:p>
             <a:fld id="{DAA45A8E-2A8B-48C9-ADBF-9A9D3A6112B3}" type="datetimeFigureOut">
               <a:rPr lang="ko-KR" altLang="en-US" smtClean="0"/>
-              <a:t>2022-06-06</a:t>
+              <a:t>2022-06-10</a:t>
             </a:fld>
             <a:endParaRPr lang="ko-KR" altLang="en-US"/>
           </a:p>
@@ -1157,7 +1157,7 @@
           <a:p>
             <a:fld id="{DAA45A8E-2A8B-48C9-ADBF-9A9D3A6112B3}" type="datetimeFigureOut">
               <a:rPr lang="ko-KR" altLang="en-US" smtClean="0"/>
-              <a:t>2022-06-06</a:t>
+              <a:t>2022-06-10</a:t>
             </a:fld>
             <a:endParaRPr lang="ko-KR" altLang="en-US"/>
           </a:p>
@@ -1422,7 +1422,7 @@
           <a:p>
             <a:fld id="{DAA45A8E-2A8B-48C9-ADBF-9A9D3A6112B3}" type="datetimeFigureOut">
               <a:rPr lang="ko-KR" altLang="en-US" smtClean="0"/>
-              <a:t>2022-06-06</a:t>
+              <a:t>2022-06-10</a:t>
             </a:fld>
             <a:endParaRPr lang="ko-KR" altLang="en-US"/>
           </a:p>
@@ -1834,7 +1834,7 @@
           <a:p>
             <a:fld id="{DAA45A8E-2A8B-48C9-ADBF-9A9D3A6112B3}" type="datetimeFigureOut">
               <a:rPr lang="ko-KR" altLang="en-US" smtClean="0"/>
-              <a:t>2022-06-06</a:t>
+              <a:t>2022-06-10</a:t>
             </a:fld>
             <a:endParaRPr lang="ko-KR" altLang="en-US"/>
           </a:p>
@@ -1975,7 +1975,7 @@
           <a:p>
             <a:fld id="{DAA45A8E-2A8B-48C9-ADBF-9A9D3A6112B3}" type="datetimeFigureOut">
               <a:rPr lang="ko-KR" altLang="en-US" smtClean="0"/>
-              <a:t>2022-06-06</a:t>
+              <a:t>2022-06-10</a:t>
             </a:fld>
             <a:endParaRPr lang="ko-KR" altLang="en-US"/>
           </a:p>
@@ -2088,7 +2088,7 @@
           <a:p>
             <a:fld id="{DAA45A8E-2A8B-48C9-ADBF-9A9D3A6112B3}" type="datetimeFigureOut">
               <a:rPr lang="ko-KR" altLang="en-US" smtClean="0"/>
-              <a:t>2022-06-06</a:t>
+              <a:t>2022-06-10</a:t>
             </a:fld>
             <a:endParaRPr lang="ko-KR" altLang="en-US"/>
           </a:p>
@@ -2399,7 +2399,7 @@
           <a:p>
             <a:fld id="{DAA45A8E-2A8B-48C9-ADBF-9A9D3A6112B3}" type="datetimeFigureOut">
               <a:rPr lang="ko-KR" altLang="en-US" smtClean="0"/>
-              <a:t>2022-06-06</a:t>
+              <a:t>2022-06-10</a:t>
             </a:fld>
             <a:endParaRPr lang="ko-KR" altLang="en-US"/>
           </a:p>
@@ -2687,7 +2687,7 @@
           <a:p>
             <a:fld id="{DAA45A8E-2A8B-48C9-ADBF-9A9D3A6112B3}" type="datetimeFigureOut">
               <a:rPr lang="ko-KR" altLang="en-US" smtClean="0"/>
-              <a:t>2022-06-06</a:t>
+              <a:t>2022-06-10</a:t>
             </a:fld>
             <a:endParaRPr lang="ko-KR" altLang="en-US"/>
           </a:p>
@@ -2928,7 +2928,7 @@
           <a:p>
             <a:fld id="{DAA45A8E-2A8B-48C9-ADBF-9A9D3A6112B3}" type="datetimeFigureOut">
               <a:rPr lang="ko-KR" altLang="en-US" smtClean="0"/>
-              <a:t>2022-06-06</a:t>
+              <a:t>2022-06-10</a:t>
             </a:fld>
             <a:endParaRPr lang="ko-KR" altLang="en-US"/>
           </a:p>
@@ -5078,14 +5078,14 @@
           <p:nvPr>
             <p:extLst>
               <p:ext uri="{D42A27DB-BD31-4B8C-83A1-F6EECF244321}">
-                <p14:modId xmlns:p14="http://schemas.microsoft.com/office/powerpoint/2010/main" val="3492392570"/>
+                <p14:modId xmlns:p14="http://schemas.microsoft.com/office/powerpoint/2010/main" val="1623652352"/>
               </p:ext>
             </p:extLst>
           </p:nvPr>
         </p:nvGraphicFramePr>
         <p:xfrm>
           <a:off x="1123950" y="1010611"/>
-          <a:ext cx="9944100" cy="2595880"/>
+          <a:ext cx="9944100" cy="2966720"/>
         </p:xfrm>
         <a:graphic>
           <a:graphicData uri="http://schemas.openxmlformats.org/drawingml/2006/table">
@@ -5316,7 +5316,7 @@
                           <a:ea typeface="+mn-ea"/>
                           <a:cs typeface="+mn-cs"/>
                         </a:rPr>
-                        <a:t>Dataset</a:t>
+                        <a:t>baseline</a:t>
                       </a:r>
                       <a:r>
                         <a:rPr kumimoji="0" lang="en-US" altLang="ko-KR" sz="1200" b="1" i="0" u="none" strike="noStrike" kern="1200" cap="none" spc="0" normalizeH="0" baseline="0" noProof="0" dirty="0">
@@ -5333,7 +5333,7 @@
                           <a:ea typeface="+mn-ea"/>
                           <a:cs typeface="+mn-cs"/>
                         </a:rPr>
-                        <a:t>(paper)</a:t>
+                        <a:t>(paper : k-NN)</a:t>
                       </a:r>
                       <a:endParaRPr kumimoji="0" lang="ko-KR" altLang="en-US" sz="1200" b="1" i="0" u="none" strike="noStrike" kern="1200" cap="none" spc="0" normalizeH="0" baseline="0" noProof="0" dirty="0">
                         <a:ln>
@@ -5359,7 +5359,7 @@
                     </a:solidFill>
                   </a:tcPr>
                 </a:tc>
-                <a:tc gridSpan="2">
+                <a:tc>
                   <a:txBody>
                     <a:bodyPr/>
                     <a:lstStyle/>
@@ -5371,13 +5371,18 @@
                             <a:schemeClr val="tx1"/>
                           </a:solidFill>
                         </a:rPr>
-                        <a:t>40.79%</a:t>
-                      </a:r>
+                        <a:t>26.14%</a:t>
+                      </a:r>
+                      <a:endParaRPr lang="ko-KR" altLang="en-US" dirty="0">
+                        <a:solidFill>
+                          <a:schemeClr val="tx1"/>
+                        </a:solidFill>
+                      </a:endParaRPr>
                     </a:p>
                   </a:txBody>
                   <a:tcPr anchor="ctr"/>
                 </a:tc>
-                <a:tc hMerge="1">
+                <a:tc>
                   <a:txBody>
                     <a:bodyPr/>
                     <a:lstStyle/>
@@ -5389,7 +5394,7 @@
                             <a:schemeClr val="tx1"/>
                           </a:solidFill>
                         </a:rPr>
-                        <a:t>49.29%</a:t>
+                        <a:t>43.14%</a:t>
                       </a:r>
                     </a:p>
                   </a:txBody>
@@ -5397,7 +5402,7 @@
                 </a:tc>
                 <a:extLst>
                   <a:ext uri="{0D108BD9-81ED-4DB2-BD59-A6C34878D82A}">
-                    <a16:rowId xmlns:a16="http://schemas.microsoft.com/office/drawing/2014/main" val="2970654413"/>
+                    <a16:rowId xmlns:a16="http://schemas.microsoft.com/office/drawing/2014/main" val="1171716648"/>
                   </a:ext>
                 </a:extLst>
               </a:tr>
@@ -5439,7 +5444,7 @@
                           <a:ea typeface="+mn-ea"/>
                           <a:cs typeface="+mn-cs"/>
                         </a:rPr>
-                        <a:t>baseline</a:t>
+                        <a:t>Matching Nets FCE</a:t>
                       </a:r>
                       <a:r>
                         <a:rPr kumimoji="0" lang="en-US" altLang="ko-KR" sz="1200" b="1" i="0" u="none" strike="noStrike" kern="1200" cap="none" spc="0" normalizeH="0" baseline="0" noProof="0" dirty="0">
@@ -5458,7 +5463,7 @@
                         </a:rPr>
                         <a:t>(paper)</a:t>
                       </a:r>
-                      <a:endParaRPr kumimoji="0" lang="ko-KR" altLang="en-US" sz="1200" b="1" i="0" u="none" strike="noStrike" kern="1200" cap="none" spc="0" normalizeH="0" baseline="0" noProof="0" dirty="0">
+                      <a:endParaRPr kumimoji="0" lang="ko-KR" altLang="en-US" sz="1800" b="1" i="0" u="none" strike="noStrike" kern="1200" cap="none" spc="0" normalizeH="0" baseline="0" noProof="0" dirty="0">
                         <a:ln>
                           <a:noFill/>
                         </a:ln>
@@ -5494,7 +5499,7 @@
                             <a:schemeClr val="tx1"/>
                           </a:solidFill>
                         </a:rPr>
-                        <a:t>27.23%</a:t>
+                        <a:t>35.80%</a:t>
                       </a:r>
                       <a:endParaRPr lang="ko-KR" altLang="en-US" dirty="0">
                         <a:solidFill>
@@ -5517,135 +5522,7 @@
                             <a:schemeClr val="tx1"/>
                           </a:solidFill>
                         </a:rPr>
-                        <a:t>49.29%</a:t>
-                      </a:r>
-                    </a:p>
-                  </a:txBody>
-                  <a:tcPr anchor="ctr"/>
-                </a:tc>
-                <a:extLst>
-                  <a:ext uri="{0D108BD9-81ED-4DB2-BD59-A6C34878D82A}">
-                    <a16:rowId xmlns:a16="http://schemas.microsoft.com/office/drawing/2014/main" val="1171716648"/>
-                  </a:ext>
-                </a:extLst>
-              </a:tr>
-              <a:tr h="370840">
-                <a:tc>
-                  <a:txBody>
-                    <a:bodyPr/>
-                    <a:lstStyle/>
-                    <a:p>
-                      <a:pPr marL="0" marR="0" lvl="0" indent="0" algn="ctr" defTabSz="914400" rtl="0" eaLnBrk="1" fontAlgn="auto" latinLnBrk="1" hangingPunct="1">
-                        <a:lnSpc>
-                          <a:spcPct val="100000"/>
-                        </a:lnSpc>
-                        <a:spcBef>
-                          <a:spcPts val="0"/>
-                        </a:spcBef>
-                        <a:spcAft>
-                          <a:spcPts val="0"/>
-                        </a:spcAft>
-                        <a:buClrTx/>
-                        <a:buSzTx/>
-                        <a:buFontTx/>
-                        <a:buNone/>
-                        <a:tabLst/>
-                        <a:defRPr/>
-                      </a:pPr>
-                      <a:r>
-                        <a:rPr kumimoji="0" lang="en-US" altLang="ko-KR" sz="1800" b="1" i="0" u="none" strike="noStrike" kern="1200" cap="none" spc="0" normalizeH="0" baseline="0" noProof="0" dirty="0">
-                          <a:ln>
-                            <a:noFill/>
-                          </a:ln>
-                          <a:solidFill>
-                            <a:prstClr val="black"/>
-                          </a:solidFill>
-                          <a:effectLst/>
-                          <a:uLnTx/>
-                          <a:uFillTx/>
-                          <a:latin typeface="+mn-lt"/>
-                          <a:ea typeface="+mn-ea"/>
-                          <a:cs typeface="+mn-cs"/>
-                        </a:rPr>
-                        <a:t>MAML</a:t>
-                      </a:r>
-                      <a:r>
-                        <a:rPr kumimoji="0" lang="en-US" altLang="ko-KR" sz="1200" b="1" i="0" u="none" strike="noStrike" kern="1200" cap="none" spc="0" normalizeH="0" baseline="0" noProof="0" dirty="0">
-                          <a:ln>
-                            <a:noFill/>
-                          </a:ln>
-                          <a:solidFill>
-                            <a:prstClr val="black"/>
-                          </a:solidFill>
-                          <a:effectLst/>
-                          <a:uLnTx/>
-                          <a:uFillTx/>
-                          <a:latin typeface="+mn-lt"/>
-                          <a:ea typeface="+mn-ea"/>
-                          <a:cs typeface="+mn-cs"/>
-                        </a:rPr>
-                        <a:t>(paper)</a:t>
-                      </a:r>
-                      <a:endParaRPr kumimoji="0" lang="ko-KR" altLang="en-US" sz="1800" b="1" i="0" u="none" strike="noStrike" kern="1200" cap="none" spc="0" normalizeH="0" baseline="0" noProof="0" dirty="0">
-                        <a:ln>
-                          <a:noFill/>
-                        </a:ln>
-                        <a:solidFill>
-                          <a:prstClr val="black"/>
-                        </a:solidFill>
-                        <a:effectLst/>
-                        <a:uLnTx/>
-                        <a:uFillTx/>
-                        <a:latin typeface="+mn-lt"/>
-                        <a:ea typeface="+mn-ea"/>
-                        <a:cs typeface="+mn-cs"/>
-                      </a:endParaRPr>
-                    </a:p>
-                  </a:txBody>
-                  <a:tcPr anchor="ctr">
-                    <a:solidFill>
-                      <a:schemeClr val="bg1">
-                        <a:lumMod val="75000"/>
-                      </a:schemeClr>
-                    </a:solidFill>
-                  </a:tcPr>
-                </a:tc>
-                <a:tc>
-                  <a:txBody>
-                    <a:bodyPr/>
-                    <a:lstStyle/>
-                    <a:p>
-                      <a:pPr algn="ctr" latinLnBrk="1"/>
-                      <a:r>
-                        <a:rPr lang="en-US" altLang="ko-KR" dirty="0">
-                          <a:solidFill>
-                            <a:schemeClr val="tx1"/>
-                          </a:solidFill>
-                        </a:rPr>
-                        <a:t>48.70%</a:t>
-                      </a:r>
-                      <a:endParaRPr lang="ko-KR" altLang="en-US" dirty="0">
-                        <a:solidFill>
-                          <a:schemeClr val="tx1"/>
-                        </a:solidFill>
-                      </a:endParaRPr>
-                    </a:p>
-                  </a:txBody>
-                  <a:tcPr anchor="ctr"/>
-                </a:tc>
-                <a:tc>
-                  <a:txBody>
-                    <a:bodyPr/>
-                    <a:lstStyle/>
-                    <a:p>
-                      <a:pPr algn="ctr" latinLnBrk="1"/>
-                      <a:r>
-                        <a:rPr lang="en-US" altLang="ko-KR" dirty="0">
-                          <a:solidFill>
-                            <a:schemeClr val="tx1"/>
-                          </a:solidFill>
-                        </a:rPr>
-                        <a:t>63.11%</a:t>
+                        <a:t>47.50%</a:t>
                       </a:r>
                       <a:endParaRPr lang="ko-KR" altLang="en-US" dirty="0">
                         <a:solidFill>
@@ -5670,12 +5547,12 @@
                     <a:p>
                       <a:pPr algn="ctr" latinLnBrk="1"/>
                       <a:r>
-                        <a:rPr lang="en-US" altLang="ko-KR" dirty="0" err="1">
-                          <a:solidFill>
-                            <a:schemeClr val="tx1"/>
-                          </a:solidFill>
-                        </a:rPr>
-                        <a:t>CovaMNet</a:t>
+                        <a:rPr lang="en-US" altLang="ko-KR" dirty="0">
+                          <a:solidFill>
+                            <a:schemeClr val="tx1"/>
+                          </a:solidFill>
+                        </a:rPr>
+                        <a:t>Prototypical Nets</a:t>
                       </a:r>
                       <a:r>
                         <a:rPr kumimoji="0" lang="en-US" altLang="ko-KR" sz="1200" b="1" i="0" u="none" strike="noStrike" kern="1200" cap="none" spc="0" normalizeH="0" baseline="0" noProof="0" dirty="0">
@@ -5721,7 +5598,7 @@
                             <a:schemeClr val="tx1"/>
                           </a:solidFill>
                         </a:rPr>
-                        <a:t>51.19%</a:t>
+                        <a:t>37.59%</a:t>
                       </a:r>
                       <a:endParaRPr lang="ko-KR" altLang="en-US" dirty="0">
                         <a:solidFill>
@@ -5744,7 +5621,7 @@
                             <a:schemeClr val="tx1"/>
                           </a:solidFill>
                         </a:rPr>
-                        <a:t>65.32%</a:t>
+                        <a:t>48.19%</a:t>
                       </a:r>
                       <a:endParaRPr lang="ko-KR" altLang="en-US" dirty="0">
                         <a:solidFill>
@@ -5774,7 +5651,15 @@
                             <a:schemeClr val="tx1"/>
                           </a:solidFill>
                         </a:rPr>
-                        <a:t>My MAML</a:t>
+                        <a:t>GNN</a:t>
+                      </a:r>
+                      <a:r>
+                        <a:rPr lang="en-US" altLang="ko-KR" sz="1200" dirty="0">
+                          <a:solidFill>
+                            <a:schemeClr val="tx1"/>
+                          </a:solidFill>
+                        </a:rPr>
+                        <a:t>(paper)</a:t>
                       </a:r>
                       <a:endParaRPr lang="ko-KR" altLang="en-US" dirty="0">
                         <a:solidFill>
@@ -5803,7 +5688,7 @@
                             <a:schemeClr val="tx1"/>
                           </a:solidFill>
                         </a:rPr>
-                        <a:t>37.40%</a:t>
+                        <a:t>46.98%</a:t>
                       </a:r>
                       <a:endParaRPr lang="ko-KR" altLang="en-US" dirty="0">
                         <a:solidFill>
@@ -5826,7 +5711,7 @@
                             <a:schemeClr val="tx1"/>
                           </a:solidFill>
                         </a:rPr>
-                        <a:t>48.88%</a:t>
+                        <a:t>62.27%</a:t>
                       </a:r>
                       <a:endParaRPr lang="ko-KR" altLang="en-US" dirty="0">
                         <a:solidFill>
@@ -5840,6 +5725,187 @@
                 <a:extLst>
                   <a:ext uri="{0D108BD9-81ED-4DB2-BD59-A6C34878D82A}">
                     <a16:rowId xmlns:a16="http://schemas.microsoft.com/office/drawing/2014/main" val="2793847593"/>
+                  </a:ext>
+                </a:extLst>
+              </a:tr>
+              <a:tr h="370840">
+                <a:tc>
+                  <a:txBody>
+                    <a:bodyPr/>
+                    <a:lstStyle/>
+                    <a:p>
+                      <a:pPr algn="ctr" latinLnBrk="1"/>
+                      <a:r>
+                        <a:rPr lang="en-US" altLang="ko-KR" dirty="0" err="1">
+                          <a:solidFill>
+                            <a:schemeClr val="tx1"/>
+                          </a:solidFill>
+                        </a:rPr>
+                        <a:t>CovaMNet</a:t>
+                      </a:r>
+                      <a:r>
+                        <a:rPr kumimoji="0" lang="en-US" altLang="ko-KR" sz="1200" b="1" i="0" u="none" strike="noStrike" kern="1200" cap="none" spc="0" normalizeH="0" baseline="0" noProof="0" dirty="0">
+                          <a:ln>
+                            <a:noFill/>
+                          </a:ln>
+                          <a:solidFill>
+                            <a:prstClr val="black"/>
+                          </a:solidFill>
+                          <a:effectLst/>
+                          <a:uLnTx/>
+                          <a:uFillTx/>
+                          <a:latin typeface="+mn-lt"/>
+                          <a:ea typeface="+mn-ea"/>
+                          <a:cs typeface="+mn-cs"/>
+                        </a:rPr>
+                        <a:t>(paper)</a:t>
+                      </a:r>
+                      <a:endParaRPr lang="ko-KR" altLang="en-US" dirty="0">
+                        <a:solidFill>
+                          <a:schemeClr val="tx1"/>
+                        </a:solidFill>
+                      </a:endParaRPr>
+                    </a:p>
+                  </a:txBody>
+                  <a:tcPr anchor="ctr">
+                    <a:solidFill>
+                      <a:schemeClr val="bg1">
+                        <a:lumMod val="75000"/>
+                      </a:schemeClr>
+                    </a:solidFill>
+                  </a:tcPr>
+                </a:tc>
+                <a:tc>
+                  <a:txBody>
+                    <a:bodyPr/>
+                    <a:lstStyle/>
+                    <a:p>
+                      <a:pPr algn="ctr" latinLnBrk="1"/>
+                      <a:r>
+                        <a:rPr lang="en-US" altLang="ko-KR" dirty="0">
+                          <a:solidFill>
+                            <a:schemeClr val="tx1"/>
+                          </a:solidFill>
+                        </a:rPr>
+                        <a:t>49.10%</a:t>
+                      </a:r>
+                      <a:endParaRPr lang="ko-KR" altLang="en-US" dirty="0">
+                        <a:solidFill>
+                          <a:schemeClr val="tx1"/>
+                        </a:solidFill>
+                      </a:endParaRPr>
+                    </a:p>
+                  </a:txBody>
+                  <a:tcPr anchor="ctr"/>
+                </a:tc>
+                <a:tc>
+                  <a:txBody>
+                    <a:bodyPr/>
+                    <a:lstStyle/>
+                    <a:p>
+                      <a:pPr algn="ctr" latinLnBrk="1"/>
+                      <a:r>
+                        <a:rPr lang="en-US" altLang="ko-KR" dirty="0">
+                          <a:solidFill>
+                            <a:schemeClr val="tx1"/>
+                          </a:solidFill>
+                        </a:rPr>
+                        <a:t>63.27%</a:t>
+                      </a:r>
+                      <a:endParaRPr lang="ko-KR" altLang="en-US" dirty="0">
+                        <a:solidFill>
+                          <a:schemeClr val="tx1"/>
+                        </a:solidFill>
+                      </a:endParaRPr>
+                    </a:p>
+                  </a:txBody>
+                  <a:tcPr anchor="ctr"/>
+                </a:tc>
+                <a:extLst>
+                  <a:ext uri="{0D108BD9-81ED-4DB2-BD59-A6C34878D82A}">
+                    <a16:rowId xmlns:a16="http://schemas.microsoft.com/office/drawing/2014/main" val="3749652194"/>
+                  </a:ext>
+                </a:extLst>
+              </a:tr>
+              <a:tr h="370840">
+                <a:tc>
+                  <a:txBody>
+                    <a:bodyPr/>
+                    <a:lstStyle/>
+                    <a:p>
+                      <a:pPr algn="ctr" latinLnBrk="1"/>
+                      <a:r>
+                        <a:rPr lang="en-US" altLang="ko-KR" dirty="0">
+                          <a:solidFill>
+                            <a:schemeClr val="tx1"/>
+                          </a:solidFill>
+                        </a:rPr>
+                        <a:t>My MAML</a:t>
+                      </a:r>
+                      <a:endParaRPr lang="ko-KR" altLang="en-US" dirty="0">
+                        <a:solidFill>
+                          <a:schemeClr val="tx1"/>
+                        </a:solidFill>
+                      </a:endParaRPr>
+                    </a:p>
+                  </a:txBody>
+                  <a:tcPr anchor="ctr">
+                    <a:solidFill>
+                      <a:schemeClr val="bg1">
+                        <a:lumMod val="75000"/>
+                      </a:schemeClr>
+                    </a:solidFill>
+                  </a:tcPr>
+                </a:tc>
+                <a:tc>
+                  <a:txBody>
+                    <a:bodyPr/>
+                    <a:lstStyle/>
+                    <a:p>
+                      <a:pPr algn="ctr" latinLnBrk="1"/>
+                      <a:r>
+                        <a:rPr lang="en-US" altLang="ko-KR" dirty="0">
+                          <a:solidFill>
+                            <a:schemeClr val="tx1"/>
+                          </a:solidFill>
+                        </a:rPr>
+                        <a:t>37.40%</a:t>
+                      </a:r>
+                      <a:endParaRPr lang="ko-KR" altLang="en-US" dirty="0">
+                        <a:solidFill>
+                          <a:schemeClr val="tx1"/>
+                        </a:solidFill>
+                      </a:endParaRPr>
+                    </a:p>
+                  </a:txBody>
+                  <a:tcPr anchor="ctr"/>
+                </a:tc>
+                <a:tc>
+                  <a:txBody>
+                    <a:bodyPr/>
+                    <a:lstStyle/>
+                    <a:p>
+                      <a:pPr algn="ctr" latinLnBrk="1"/>
+                      <a:r>
+                        <a:rPr lang="en-US" altLang="ko-KR" dirty="0">
+                          <a:solidFill>
+                            <a:schemeClr val="tx1"/>
+                          </a:solidFill>
+                        </a:rPr>
+                        <a:t>48.88%</a:t>
+                      </a:r>
+                      <a:endParaRPr lang="ko-KR" altLang="en-US" dirty="0">
+                        <a:solidFill>
+                          <a:schemeClr val="tx1"/>
+                        </a:solidFill>
+                      </a:endParaRPr>
+                    </a:p>
+                  </a:txBody>
+                  <a:tcPr anchor="ctr"/>
+                </a:tc>
+                <a:extLst>
+                  <a:ext uri="{0D108BD9-81ED-4DB2-BD59-A6C34878D82A}">
+                    <a16:rowId xmlns:a16="http://schemas.microsoft.com/office/drawing/2014/main" val="2345519577"/>
                   </a:ext>
                 </a:extLst>
               </a:tr>
